--- a/PSB_Project_report.pptx
+++ b/PSB_Project_report.pptx
@@ -8,22 +8,19 @@
     <p:sldId id="256" r:id="rId2"/>
     <p:sldId id="257" r:id="rId3"/>
     <p:sldId id="258" r:id="rId4"/>
-    <p:sldId id="271" r:id="rId5"/>
-    <p:sldId id="273" r:id="rId6"/>
-    <p:sldId id="274" r:id="rId7"/>
-    <p:sldId id="272" r:id="rId8"/>
-    <p:sldId id="259" r:id="rId9"/>
-    <p:sldId id="275" r:id="rId10"/>
-    <p:sldId id="276" r:id="rId11"/>
-    <p:sldId id="261" r:id="rId12"/>
-    <p:sldId id="262" r:id="rId13"/>
-    <p:sldId id="263" r:id="rId14"/>
-    <p:sldId id="264" r:id="rId15"/>
-    <p:sldId id="265" r:id="rId16"/>
-    <p:sldId id="266" r:id="rId17"/>
-    <p:sldId id="267" r:id="rId18"/>
-    <p:sldId id="268" r:id="rId19"/>
-    <p:sldId id="269" r:id="rId20"/>
+    <p:sldId id="259" r:id="rId5"/>
+    <p:sldId id="275" r:id="rId6"/>
+    <p:sldId id="276" r:id="rId7"/>
+    <p:sldId id="261" r:id="rId8"/>
+    <p:sldId id="277" r:id="rId9"/>
+    <p:sldId id="262" r:id="rId10"/>
+    <p:sldId id="263" r:id="rId11"/>
+    <p:sldId id="264" r:id="rId12"/>
+    <p:sldId id="265" r:id="rId13"/>
+    <p:sldId id="266" r:id="rId14"/>
+    <p:sldId id="267" r:id="rId15"/>
+    <p:sldId id="268" r:id="rId16"/>
+    <p:sldId id="269" r:id="rId17"/>
   </p:sldIdLst>
   <p:sldSz cx="12192000" cy="6858000"/>
   <p:notesSz cx="6858000" cy="9144000"/>
@@ -3505,19 +3502,46 @@
             </a:r>
             <a:r>
               <a:rPr lang="ko-KR" altLang="en-US" dirty="0"/>
-              <a:t>코드설명</a:t>
-            </a:r>
-            <a:r>
-              <a:rPr lang="en-US" altLang="ko-KR" dirty="0"/>
-              <a:t>-</a:t>
-            </a:r>
-            <a:r>
-              <a:rPr lang="ko-KR" altLang="en-US" dirty="0"/>
-              <a:t>클래스 명세표</a:t>
-            </a:r>
-          </a:p>
-        </p:txBody>
-      </p:sp>
+              <a:t>클래스 구조도</a:t>
+            </a:r>
+          </a:p>
+        </p:txBody>
+      </p:sp>
+      <p:pic>
+        <p:nvPicPr>
+          <p:cNvPr id="8" name="내용 개체 틀 7">
+            <a:extLst>
+              <a:ext uri="{FF2B5EF4-FFF2-40B4-BE49-F238E27FC236}">
+                <a16:creationId xmlns:a16="http://schemas.microsoft.com/office/drawing/2014/main" id="{4911737D-D08A-47E8-969E-50982B18375B}"/>
+              </a:ext>
+            </a:extLst>
+          </p:cNvPr>
+          <p:cNvPicPr>
+            <a:picLocks noGrp="1" noChangeAspect="1"/>
+          </p:cNvPicPr>
+          <p:nvPr>
+            <p:ph idx="1"/>
+          </p:nvPr>
+        </p:nvPicPr>
+        <p:blipFill>
+          <a:blip r:embed="rId2">
+            <a:extLst>
+              <a:ext uri="{28A0092B-C50C-407E-A947-70E740481C1C}">
+                <a14:useLocalDpi xmlns:a14="http://schemas.microsoft.com/office/drawing/2010/main" val="0"/>
+              </a:ext>
+            </a:extLst>
+          </a:blip>
+          <a:stretch>
+            <a:fillRect/>
+          </a:stretch>
+        </p:blipFill>
+        <p:spPr>
+          <a:xfrm>
+            <a:off x="1043844" y="1690688"/>
+            <a:ext cx="10104311" cy="4823046"/>
+          </a:xfrm>
+        </p:spPr>
+      </p:pic>
       <p:sp>
         <p:nvSpPr>
           <p:cNvPr id="9" name="제목 1">
@@ -3568,336 +3592,19 @@
             <a:pPr lvl="1"/>
             <a:r>
               <a:rPr lang="en-US" altLang="ko-KR" dirty="0"/>
-              <a:t>2) </a:t>
-            </a:r>
-            <a:r>
-              <a:rPr lang="en-US" altLang="ko-KR" dirty="0" err="1"/>
-              <a:t>Model_formatPackage</a:t>
-            </a:r>
-            <a:endParaRPr lang="ko-KR" altLang="en-US" dirty="0"/>
-          </a:p>
-        </p:txBody>
-      </p:sp>
-      <p:sp>
-        <p:nvSpPr>
-          <p:cNvPr id="4" name="내용 개체 틀 3">
-            <a:extLst>
-              <a:ext uri="{FF2B5EF4-FFF2-40B4-BE49-F238E27FC236}">
-                <a16:creationId xmlns:a16="http://schemas.microsoft.com/office/drawing/2014/main" id="{69F5C882-E919-4AB7-B2E4-E7215EADAD99}"/>
-              </a:ext>
-            </a:extLst>
-          </p:cNvPr>
-          <p:cNvSpPr>
-            <a:spLocks noGrp="1"/>
-          </p:cNvSpPr>
-          <p:nvPr>
-            <p:ph idx="1"/>
-          </p:nvPr>
-        </p:nvSpPr>
-        <p:spPr/>
-        <p:txBody>
-          <a:bodyPr>
-            <a:normAutofit/>
-          </a:bodyPr>
-          <a:lstStyle/>
-          <a:p>
-            <a:r>
-              <a:rPr lang="en-US" altLang="ko-KR" sz="1600" dirty="0"/>
-              <a:t>noteFormat.java : </a:t>
-            </a:r>
-            <a:r>
-              <a:rPr lang="ko-KR" altLang="en-US" sz="1600" dirty="0"/>
-              <a:t>노트의 형식이 지정된 클래스</a:t>
-            </a:r>
-            <a:endParaRPr lang="en-US" altLang="ko-KR" sz="1600" dirty="0"/>
-          </a:p>
-          <a:p>
-            <a:pPr lvl="1"/>
-            <a:r>
-              <a:rPr lang="en-US" altLang="ko-KR" sz="1200" dirty="0"/>
-              <a:t>line : </a:t>
-            </a:r>
-            <a:r>
-              <a:rPr lang="ko-KR" altLang="en-US" sz="1200" dirty="0"/>
-              <a:t>노트가</a:t>
-            </a:r>
-            <a:r>
-              <a:rPr lang="en-US" altLang="ko-KR" sz="1200" dirty="0"/>
-              <a:t> </a:t>
-            </a:r>
-            <a:r>
-              <a:rPr lang="ko-KR" altLang="en-US" sz="1200" dirty="0"/>
-              <a:t>나타날 라인</a:t>
-            </a:r>
-            <a:endParaRPr lang="en-US" altLang="ko-KR" sz="1200" dirty="0"/>
-          </a:p>
-          <a:p>
-            <a:pPr lvl="1"/>
-            <a:r>
-              <a:rPr lang="en-US" altLang="ko-KR" sz="1200" dirty="0"/>
-              <a:t>timing</a:t>
-            </a:r>
-            <a:r>
-              <a:rPr lang="ko-KR" altLang="en-US" sz="1200" dirty="0"/>
-              <a:t> </a:t>
-            </a:r>
-            <a:r>
-              <a:rPr lang="en-US" altLang="ko-KR" sz="1200" dirty="0"/>
-              <a:t>:</a:t>
-            </a:r>
-            <a:r>
-              <a:rPr lang="ko-KR" altLang="en-US" sz="1200" dirty="0"/>
-              <a:t> 노트의 판정 시간</a:t>
-            </a:r>
-            <a:endParaRPr lang="en-US" altLang="ko-KR" sz="1600" dirty="0"/>
-          </a:p>
-          <a:p>
-            <a:r>
-              <a:rPr lang="en-US" altLang="ko-KR" sz="1600" dirty="0"/>
-              <a:t>collisionTypeFormat.java : </a:t>
-            </a:r>
-            <a:r>
-              <a:rPr lang="ko-KR" altLang="en-US" sz="1600" dirty="0"/>
-              <a:t>노트의 판정 타입 형식이 지정된 클래스</a:t>
-            </a:r>
-            <a:endParaRPr lang="en-US" altLang="ko-KR" sz="1600" dirty="0"/>
-          </a:p>
-          <a:p>
-            <a:pPr lvl="1"/>
-            <a:r>
-              <a:rPr lang="en-US" altLang="ko-KR" sz="1200" dirty="0" err="1"/>
-              <a:t>collisionTypeList</a:t>
-            </a:r>
-            <a:r>
-              <a:rPr lang="en-US" altLang="ko-KR" sz="1200" dirty="0"/>
-              <a:t> : </a:t>
-            </a:r>
-            <a:r>
-              <a:rPr lang="ko-KR" altLang="en-US" sz="1200" dirty="0"/>
-              <a:t>노트의 판정 타입들이 저장된 리스트</a:t>
-            </a:r>
-            <a:endParaRPr lang="en-US" altLang="ko-KR" sz="1200" dirty="0"/>
-          </a:p>
-          <a:p>
-            <a:pPr lvl="1"/>
-            <a:r>
-              <a:rPr lang="en-US" altLang="ko-KR" sz="1200" dirty="0" err="1"/>
-              <a:t>collisionType</a:t>
-            </a:r>
-            <a:r>
-              <a:rPr lang="en-US" altLang="ko-KR" sz="1200" dirty="0"/>
-              <a:t> : </a:t>
-            </a:r>
-            <a:r>
-              <a:rPr lang="ko-KR" altLang="en-US" sz="1200" dirty="0"/>
-              <a:t>확인중인 노트의 판정 타입</a:t>
-            </a:r>
-            <a:endParaRPr lang="en-US" altLang="ko-KR" sz="1200" dirty="0"/>
-          </a:p>
-          <a:p>
-            <a:pPr lvl="1"/>
-            <a:r>
-              <a:rPr lang="en-US" altLang="ko-KR" sz="1200" dirty="0"/>
-              <a:t>line</a:t>
-            </a:r>
-            <a:r>
-              <a:rPr lang="ko-KR" altLang="en-US" sz="1200" dirty="0"/>
-              <a:t> </a:t>
-            </a:r>
-            <a:r>
-              <a:rPr lang="en-US" altLang="ko-KR" sz="1200" dirty="0"/>
-              <a:t>:</a:t>
-            </a:r>
-            <a:r>
-              <a:rPr lang="ko-KR" altLang="en-US" sz="1200" dirty="0"/>
-              <a:t> 확인중인 노트가 나타난 라인</a:t>
-            </a:r>
-            <a:endParaRPr lang="en-US" altLang="ko-KR" sz="1200" dirty="0"/>
-          </a:p>
-          <a:p>
-            <a:r>
-              <a:rPr lang="en-US" altLang="ko-KR" sz="1600" dirty="0"/>
-              <a:t>scoreFormat.java : </a:t>
-            </a:r>
-            <a:r>
-              <a:rPr lang="ko-KR" altLang="en-US" sz="1600" dirty="0"/>
-              <a:t>점수 정보를 가지는 클래스</a:t>
-            </a:r>
-            <a:endParaRPr lang="en-US" altLang="ko-KR" sz="1600" dirty="0"/>
-          </a:p>
-          <a:p>
-            <a:pPr lvl="1"/>
-            <a:r>
-              <a:rPr lang="en-US" altLang="ko-KR" sz="1200" dirty="0"/>
-              <a:t>score : </a:t>
-            </a:r>
-            <a:r>
-              <a:rPr lang="ko-KR" altLang="en-US" sz="1200" dirty="0"/>
-              <a:t>점수</a:t>
-            </a:r>
-            <a:endParaRPr lang="en-US" altLang="ko-KR" sz="1200" dirty="0"/>
-          </a:p>
-          <a:p>
-            <a:pPr lvl="1"/>
-            <a:r>
-              <a:rPr lang="en-US" altLang="ko-KR" sz="1200" dirty="0"/>
-              <a:t>combo</a:t>
-            </a:r>
-            <a:r>
-              <a:rPr lang="ko-KR" altLang="en-US" sz="1200" dirty="0"/>
-              <a:t> </a:t>
-            </a:r>
-            <a:r>
-              <a:rPr lang="en-US" altLang="ko-KR" sz="1200" dirty="0"/>
-              <a:t>:</a:t>
-            </a:r>
-            <a:r>
-              <a:rPr lang="ko-KR" altLang="en-US" sz="1200" dirty="0"/>
-              <a:t> 콤보</a:t>
-            </a:r>
-            <a:endParaRPr lang="en-US" altLang="ko-KR" sz="1200" dirty="0"/>
-          </a:p>
-          <a:p>
-            <a:pPr lvl="1"/>
-            <a:r>
-              <a:rPr lang="en-US" altLang="ko-KR" sz="1200" dirty="0" err="1"/>
-              <a:t>maxCombo</a:t>
-            </a:r>
-            <a:r>
-              <a:rPr lang="en-US" altLang="ko-KR" sz="1200" dirty="0"/>
-              <a:t> : </a:t>
-            </a:r>
-            <a:r>
-              <a:rPr lang="ko-KR" altLang="en-US" sz="1200" dirty="0"/>
-              <a:t>최대 콤보</a:t>
-            </a:r>
-            <a:endParaRPr lang="en-US" altLang="ko-KR" sz="1200" dirty="0"/>
-          </a:p>
-          <a:p>
-            <a:pPr lvl="1"/>
-            <a:r>
-              <a:rPr lang="en-US" altLang="ko-KR" sz="1200" dirty="0" err="1"/>
-              <a:t>perfectHit</a:t>
-            </a:r>
-            <a:r>
-              <a:rPr lang="en-US" altLang="ko-KR" sz="1200" dirty="0"/>
-              <a:t> : perfect </a:t>
-            </a:r>
-            <a:r>
-              <a:rPr lang="ko-KR" altLang="en-US" sz="1200" dirty="0"/>
-              <a:t>판정을 받은 노트의 수</a:t>
-            </a:r>
-            <a:endParaRPr lang="en-US" altLang="ko-KR" sz="1200" dirty="0"/>
-          </a:p>
-          <a:p>
-            <a:r>
-              <a:rPr lang="en-US" altLang="ko-KR" sz="1600" dirty="0"/>
-              <a:t>gameInputFormat.java</a:t>
-            </a:r>
-            <a:r>
-              <a:rPr lang="ko-KR" altLang="en-US" sz="1600" dirty="0"/>
-              <a:t> </a:t>
-            </a:r>
-            <a:r>
-              <a:rPr lang="en-US" altLang="ko-KR" sz="1600" dirty="0"/>
-              <a:t>:</a:t>
-            </a:r>
-            <a:r>
-              <a:rPr lang="ko-KR" altLang="en-US" sz="1600" dirty="0"/>
-              <a:t> </a:t>
-            </a:r>
-            <a:r>
-              <a:rPr lang="ko-KR" altLang="en-US" sz="1600" dirty="0" err="1"/>
-              <a:t>입력받은</a:t>
-            </a:r>
-            <a:r>
-              <a:rPr lang="ko-KR" altLang="en-US" sz="1600" dirty="0"/>
-              <a:t> 키에 매칭되는 라인과 입력 타이밍을 가지는 클래스</a:t>
-            </a:r>
-            <a:endParaRPr lang="en-US" altLang="ko-KR" sz="400" dirty="0"/>
-          </a:p>
-          <a:p>
-            <a:pPr lvl="1"/>
-            <a:r>
-              <a:rPr lang="en-US" altLang="ko-KR" sz="1200" dirty="0" err="1"/>
-              <a:t>availableKeyList</a:t>
-            </a:r>
-            <a:r>
-              <a:rPr lang="en-US" altLang="ko-KR" sz="1200" dirty="0"/>
-              <a:t> : </a:t>
-            </a:r>
-            <a:r>
-              <a:rPr lang="ko-KR" altLang="en-US" sz="1200" dirty="0"/>
-              <a:t>게임 노트에 </a:t>
-            </a:r>
-            <a:r>
-              <a:rPr lang="ko-KR" altLang="en-US" sz="1200" dirty="0" err="1"/>
-              <a:t>매핑되는</a:t>
-            </a:r>
-            <a:r>
-              <a:rPr lang="ko-KR" altLang="en-US" sz="1200" dirty="0"/>
-              <a:t> </a:t>
-            </a:r>
-            <a:r>
-              <a:rPr lang="ko-KR" altLang="en-US" sz="1200" dirty="0" err="1"/>
-              <a:t>키값</a:t>
-            </a:r>
-            <a:r>
-              <a:rPr lang="ko-KR" altLang="en-US" sz="1200" dirty="0"/>
-              <a:t> 리스트</a:t>
-            </a:r>
-            <a:endParaRPr lang="en-US" altLang="ko-KR" sz="1200" dirty="0"/>
-          </a:p>
-          <a:p>
-            <a:pPr lvl="1"/>
-            <a:r>
-              <a:rPr lang="en-US" altLang="ko-KR" sz="1200" dirty="0"/>
-              <a:t>line : </a:t>
-            </a:r>
-            <a:r>
-              <a:rPr lang="ko-KR" altLang="en-US" sz="1200" dirty="0" err="1"/>
-              <a:t>입력받은</a:t>
-            </a:r>
-            <a:r>
-              <a:rPr lang="ko-KR" altLang="en-US" sz="1200" dirty="0"/>
-              <a:t> 키에 </a:t>
-            </a:r>
-            <a:r>
-              <a:rPr lang="ko-KR" altLang="en-US" sz="1200" dirty="0" err="1"/>
-              <a:t>매핑되는</a:t>
-            </a:r>
-            <a:r>
-              <a:rPr lang="ko-KR" altLang="en-US" sz="1200" dirty="0"/>
-              <a:t> 라인</a:t>
-            </a:r>
-            <a:endParaRPr lang="en-US" altLang="ko-KR" sz="1200" dirty="0"/>
-          </a:p>
-          <a:p>
-            <a:pPr lvl="1"/>
-            <a:r>
-              <a:rPr lang="en-US" altLang="ko-KR" sz="1200" dirty="0"/>
-              <a:t>timing</a:t>
-            </a:r>
-            <a:r>
-              <a:rPr lang="ko-KR" altLang="en-US" sz="1200" dirty="0"/>
-              <a:t> </a:t>
-            </a:r>
-            <a:r>
-              <a:rPr lang="en-US" altLang="ko-KR" sz="1200" dirty="0"/>
-              <a:t>:</a:t>
-            </a:r>
-            <a:r>
-              <a:rPr lang="ko-KR" altLang="en-US" sz="1200" dirty="0"/>
-              <a:t> 키 입력이 들어온 시간</a:t>
-            </a:r>
-            <a:endParaRPr lang="en-US" altLang="ko-KR" sz="1200" dirty="0"/>
+              <a:t>1. </a:t>
+            </a:r>
+            <a:r>
+              <a:rPr lang="ko-KR" altLang="en-US" dirty="0"/>
+              <a:t>전체 클래스 구조도</a:t>
+            </a:r>
           </a:p>
         </p:txBody>
       </p:sp>
     </p:spTree>
     <p:extLst>
       <p:ext uri="{BB962C8B-B14F-4D97-AF65-F5344CB8AC3E}">
-        <p14:creationId xmlns:p14="http://schemas.microsoft.com/office/powerpoint/2010/main" val="3530392251"/>
+        <p14:creationId xmlns:p14="http://schemas.microsoft.com/office/powerpoint/2010/main" val="2280398029"/>
       </p:ext>
     </p:extLst>
   </p:cSld>
@@ -3991,8 +3698,8 @@
         </p:blipFill>
         <p:spPr>
           <a:xfrm>
-            <a:off x="1043844" y="1937575"/>
-            <a:ext cx="10104311" cy="4329271"/>
+            <a:off x="1043844" y="1690688"/>
+            <a:ext cx="10104311" cy="4823046"/>
           </a:xfrm>
         </p:spPr>
       </p:pic>
@@ -4046,20 +3753,19 @@
             <a:pPr lvl="1"/>
             <a:r>
               <a:rPr lang="en-US" altLang="ko-KR" dirty="0"/>
-              <a:t>3) </a:t>
-            </a:r>
-            <a:r>
-              <a:rPr lang="en-US" altLang="ko-KR" dirty="0" err="1"/>
-              <a:t>Model_readerPackage</a:t>
-            </a:r>
-            <a:endParaRPr lang="ko-KR" altLang="en-US" dirty="0"/>
+              <a:t>1. </a:t>
+            </a:r>
+            <a:r>
+              <a:rPr lang="ko-KR" altLang="en-US" dirty="0"/>
+              <a:t>전체 클래스 구조도</a:t>
+            </a:r>
           </a:p>
         </p:txBody>
       </p:sp>
     </p:spTree>
     <p:extLst>
       <p:ext uri="{BB962C8B-B14F-4D97-AF65-F5344CB8AC3E}">
-        <p14:creationId xmlns:p14="http://schemas.microsoft.com/office/powerpoint/2010/main" val="660517082"/>
+        <p14:creationId xmlns:p14="http://schemas.microsoft.com/office/powerpoint/2010/main" val="2321897051"/>
       </p:ext>
     </p:extLst>
   </p:cSld>
@@ -4220,7 +3926,7 @@
     </p:spTree>
     <p:extLst>
       <p:ext uri="{BB962C8B-B14F-4D97-AF65-F5344CB8AC3E}">
-        <p14:creationId xmlns:p14="http://schemas.microsoft.com/office/powerpoint/2010/main" val="3706473849"/>
+        <p14:creationId xmlns:p14="http://schemas.microsoft.com/office/powerpoint/2010/main" val="3027446876"/>
       </p:ext>
     </p:extLst>
   </p:cSld>
@@ -4381,7 +4087,7 @@
     </p:spTree>
     <p:extLst>
       <p:ext uri="{BB962C8B-B14F-4D97-AF65-F5344CB8AC3E}">
-        <p14:creationId xmlns:p14="http://schemas.microsoft.com/office/powerpoint/2010/main" val="2280398029"/>
+        <p14:creationId xmlns:p14="http://schemas.microsoft.com/office/powerpoint/2010/main" val="2817862280"/>
       </p:ext>
     </p:extLst>
   </p:cSld>
@@ -4542,7 +4248,7 @@
     </p:spTree>
     <p:extLst>
       <p:ext uri="{BB962C8B-B14F-4D97-AF65-F5344CB8AC3E}">
-        <p14:creationId xmlns:p14="http://schemas.microsoft.com/office/powerpoint/2010/main" val="2321897051"/>
+        <p14:creationId xmlns:p14="http://schemas.microsoft.com/office/powerpoint/2010/main" val="3362154839"/>
       </p:ext>
     </p:extLst>
   </p:cSld>
@@ -4703,7 +4409,7 @@
     </p:spTree>
     <p:extLst>
       <p:ext uri="{BB962C8B-B14F-4D97-AF65-F5344CB8AC3E}">
-        <p14:creationId xmlns:p14="http://schemas.microsoft.com/office/powerpoint/2010/main" val="3027446876"/>
+        <p14:creationId xmlns:p14="http://schemas.microsoft.com/office/powerpoint/2010/main" val="3162332653"/>
       </p:ext>
     </p:extLst>
   </p:cSld>
@@ -4714,489 +4420,6 @@
 </file>
 
 <file path=ppt/slides/slide16.xml><?xml version="1.0" encoding="utf-8"?>
-<p:sld xmlns:a="http://schemas.openxmlformats.org/drawingml/2006/main" xmlns:r="http://schemas.openxmlformats.org/officeDocument/2006/relationships" xmlns:p="http://schemas.openxmlformats.org/presentationml/2006/main">
-  <p:cSld>
-    <p:spTree>
-      <p:nvGrpSpPr>
-        <p:cNvPr id="1" name=""/>
-        <p:cNvGrpSpPr/>
-        <p:nvPr/>
-      </p:nvGrpSpPr>
-      <p:grpSpPr>
-        <a:xfrm>
-          <a:off x="0" y="0"/>
-          <a:ext cx="0" cy="0"/>
-          <a:chOff x="0" y="0"/>
-          <a:chExt cx="0" cy="0"/>
-        </a:xfrm>
-      </p:grpSpPr>
-      <p:sp>
-        <p:nvSpPr>
-          <p:cNvPr id="2" name="제목 1">
-            <a:extLst>
-              <a:ext uri="{FF2B5EF4-FFF2-40B4-BE49-F238E27FC236}">
-                <a16:creationId xmlns:a16="http://schemas.microsoft.com/office/drawing/2014/main" id="{B8D66C48-914E-4671-AFF2-919B110C4ACD}"/>
-              </a:ext>
-            </a:extLst>
-          </p:cNvPr>
-          <p:cNvSpPr>
-            <a:spLocks noGrp="1"/>
-          </p:cNvSpPr>
-          <p:nvPr>
-            <p:ph type="title"/>
-          </p:nvPr>
-        </p:nvSpPr>
-        <p:spPr>
-          <a:xfrm>
-            <a:off x="838200" y="365125"/>
-            <a:ext cx="10515600" cy="728889"/>
-          </a:xfrm>
-        </p:spPr>
-        <p:txBody>
-          <a:bodyPr/>
-          <a:lstStyle/>
-          <a:p>
-            <a:r>
-              <a:rPr lang="en-US" altLang="ko-KR" dirty="0"/>
-              <a:t>2. </a:t>
-            </a:r>
-            <a:r>
-              <a:rPr lang="ko-KR" altLang="en-US" dirty="0"/>
-              <a:t>클래스 구조도</a:t>
-            </a:r>
-          </a:p>
-        </p:txBody>
-      </p:sp>
-      <p:pic>
-        <p:nvPicPr>
-          <p:cNvPr id="8" name="내용 개체 틀 7">
-            <a:extLst>
-              <a:ext uri="{FF2B5EF4-FFF2-40B4-BE49-F238E27FC236}">
-                <a16:creationId xmlns:a16="http://schemas.microsoft.com/office/drawing/2014/main" id="{4911737D-D08A-47E8-969E-50982B18375B}"/>
-              </a:ext>
-            </a:extLst>
-          </p:cNvPr>
-          <p:cNvPicPr>
-            <a:picLocks noGrp="1" noChangeAspect="1"/>
-          </p:cNvPicPr>
-          <p:nvPr>
-            <p:ph idx="1"/>
-          </p:nvPr>
-        </p:nvPicPr>
-        <p:blipFill>
-          <a:blip r:embed="rId2">
-            <a:extLst>
-              <a:ext uri="{28A0092B-C50C-407E-A947-70E740481C1C}">
-                <a14:useLocalDpi xmlns:a14="http://schemas.microsoft.com/office/drawing/2010/main" val="0"/>
-              </a:ext>
-            </a:extLst>
-          </a:blip>
-          <a:stretch>
-            <a:fillRect/>
-          </a:stretch>
-        </p:blipFill>
-        <p:spPr>
-          <a:xfrm>
-            <a:off x="1043844" y="1690688"/>
-            <a:ext cx="10104311" cy="4823046"/>
-          </a:xfrm>
-        </p:spPr>
-      </p:pic>
-      <p:sp>
-        <p:nvSpPr>
-          <p:cNvPr id="9" name="제목 1">
-            <a:extLst>
-              <a:ext uri="{FF2B5EF4-FFF2-40B4-BE49-F238E27FC236}">
-                <a16:creationId xmlns:a16="http://schemas.microsoft.com/office/drawing/2014/main" id="{55852AFC-3500-4D6B-8698-568CF9B4B071}"/>
-              </a:ext>
-            </a:extLst>
-          </p:cNvPr>
-          <p:cNvSpPr txBox="1">
-            <a:spLocks/>
-          </p:cNvSpPr>
-          <p:nvPr/>
-        </p:nvSpPr>
-        <p:spPr>
-          <a:xfrm>
-            <a:off x="838200" y="1039246"/>
-            <a:ext cx="10515600" cy="728889"/>
-          </a:xfrm>
-          <a:prstGeom prst="rect">
-            <a:avLst/>
-          </a:prstGeom>
-        </p:spPr>
-        <p:txBody>
-          <a:bodyPr vert="horz" lIns="91440" tIns="45720" rIns="91440" bIns="45720" rtlCol="0" anchor="ctr">
-            <a:normAutofit/>
-          </a:bodyPr>
-          <a:lstStyle>
-            <a:lvl1pPr algn="l" defTabSz="914400" rtl="0" eaLnBrk="1" latinLnBrk="1" hangingPunct="1">
-              <a:lnSpc>
-                <a:spcPct val="90000"/>
-              </a:lnSpc>
-              <a:spcBef>
-                <a:spcPct val="0"/>
-              </a:spcBef>
-              <a:buNone/>
-              <a:defRPr sz="4400" kern="1200">
-                <a:solidFill>
-                  <a:schemeClr val="tx1"/>
-                </a:solidFill>
-                <a:latin typeface="+mj-lt"/>
-                <a:ea typeface="+mj-ea"/>
-                <a:cs typeface="+mj-cs"/>
-              </a:defRPr>
-            </a:lvl1pPr>
-          </a:lstStyle>
-          <a:p>
-            <a:pPr lvl="1"/>
-            <a:r>
-              <a:rPr lang="en-US" altLang="ko-KR" dirty="0"/>
-              <a:t>1. </a:t>
-            </a:r>
-            <a:r>
-              <a:rPr lang="ko-KR" altLang="en-US" dirty="0"/>
-              <a:t>전체 클래스 구조도</a:t>
-            </a:r>
-          </a:p>
-        </p:txBody>
-      </p:sp>
-    </p:spTree>
-    <p:extLst>
-      <p:ext uri="{BB962C8B-B14F-4D97-AF65-F5344CB8AC3E}">
-        <p14:creationId xmlns:p14="http://schemas.microsoft.com/office/powerpoint/2010/main" val="2817862280"/>
-      </p:ext>
-    </p:extLst>
-  </p:cSld>
-  <p:clrMapOvr>
-    <a:masterClrMapping/>
-  </p:clrMapOvr>
-</p:sld>
-</file>
-
-<file path=ppt/slides/slide17.xml><?xml version="1.0" encoding="utf-8"?>
-<p:sld xmlns:a="http://schemas.openxmlformats.org/drawingml/2006/main" xmlns:r="http://schemas.openxmlformats.org/officeDocument/2006/relationships" xmlns:p="http://schemas.openxmlformats.org/presentationml/2006/main">
-  <p:cSld>
-    <p:spTree>
-      <p:nvGrpSpPr>
-        <p:cNvPr id="1" name=""/>
-        <p:cNvGrpSpPr/>
-        <p:nvPr/>
-      </p:nvGrpSpPr>
-      <p:grpSpPr>
-        <a:xfrm>
-          <a:off x="0" y="0"/>
-          <a:ext cx="0" cy="0"/>
-          <a:chOff x="0" y="0"/>
-          <a:chExt cx="0" cy="0"/>
-        </a:xfrm>
-      </p:grpSpPr>
-      <p:sp>
-        <p:nvSpPr>
-          <p:cNvPr id="2" name="제목 1">
-            <a:extLst>
-              <a:ext uri="{FF2B5EF4-FFF2-40B4-BE49-F238E27FC236}">
-                <a16:creationId xmlns:a16="http://schemas.microsoft.com/office/drawing/2014/main" id="{B8D66C48-914E-4671-AFF2-919B110C4ACD}"/>
-              </a:ext>
-            </a:extLst>
-          </p:cNvPr>
-          <p:cNvSpPr>
-            <a:spLocks noGrp="1"/>
-          </p:cNvSpPr>
-          <p:nvPr>
-            <p:ph type="title"/>
-          </p:nvPr>
-        </p:nvSpPr>
-        <p:spPr>
-          <a:xfrm>
-            <a:off x="838200" y="365125"/>
-            <a:ext cx="10515600" cy="728889"/>
-          </a:xfrm>
-        </p:spPr>
-        <p:txBody>
-          <a:bodyPr/>
-          <a:lstStyle/>
-          <a:p>
-            <a:r>
-              <a:rPr lang="en-US" altLang="ko-KR" dirty="0"/>
-              <a:t>2. </a:t>
-            </a:r>
-            <a:r>
-              <a:rPr lang="ko-KR" altLang="en-US" dirty="0"/>
-              <a:t>클래스 구조도</a:t>
-            </a:r>
-          </a:p>
-        </p:txBody>
-      </p:sp>
-      <p:pic>
-        <p:nvPicPr>
-          <p:cNvPr id="8" name="내용 개체 틀 7">
-            <a:extLst>
-              <a:ext uri="{FF2B5EF4-FFF2-40B4-BE49-F238E27FC236}">
-                <a16:creationId xmlns:a16="http://schemas.microsoft.com/office/drawing/2014/main" id="{4911737D-D08A-47E8-969E-50982B18375B}"/>
-              </a:ext>
-            </a:extLst>
-          </p:cNvPr>
-          <p:cNvPicPr>
-            <a:picLocks noGrp="1" noChangeAspect="1"/>
-          </p:cNvPicPr>
-          <p:nvPr>
-            <p:ph idx="1"/>
-          </p:nvPr>
-        </p:nvPicPr>
-        <p:blipFill>
-          <a:blip r:embed="rId2">
-            <a:extLst>
-              <a:ext uri="{28A0092B-C50C-407E-A947-70E740481C1C}">
-                <a14:useLocalDpi xmlns:a14="http://schemas.microsoft.com/office/drawing/2010/main" val="0"/>
-              </a:ext>
-            </a:extLst>
-          </a:blip>
-          <a:stretch>
-            <a:fillRect/>
-          </a:stretch>
-        </p:blipFill>
-        <p:spPr>
-          <a:xfrm>
-            <a:off x="1043844" y="1690688"/>
-            <a:ext cx="10104311" cy="4823046"/>
-          </a:xfrm>
-        </p:spPr>
-      </p:pic>
-      <p:sp>
-        <p:nvSpPr>
-          <p:cNvPr id="9" name="제목 1">
-            <a:extLst>
-              <a:ext uri="{FF2B5EF4-FFF2-40B4-BE49-F238E27FC236}">
-                <a16:creationId xmlns:a16="http://schemas.microsoft.com/office/drawing/2014/main" id="{55852AFC-3500-4D6B-8698-568CF9B4B071}"/>
-              </a:ext>
-            </a:extLst>
-          </p:cNvPr>
-          <p:cNvSpPr txBox="1">
-            <a:spLocks/>
-          </p:cNvSpPr>
-          <p:nvPr/>
-        </p:nvSpPr>
-        <p:spPr>
-          <a:xfrm>
-            <a:off x="838200" y="1039246"/>
-            <a:ext cx="10515600" cy="728889"/>
-          </a:xfrm>
-          <a:prstGeom prst="rect">
-            <a:avLst/>
-          </a:prstGeom>
-        </p:spPr>
-        <p:txBody>
-          <a:bodyPr vert="horz" lIns="91440" tIns="45720" rIns="91440" bIns="45720" rtlCol="0" anchor="ctr">
-            <a:normAutofit/>
-          </a:bodyPr>
-          <a:lstStyle>
-            <a:lvl1pPr algn="l" defTabSz="914400" rtl="0" eaLnBrk="1" latinLnBrk="1" hangingPunct="1">
-              <a:lnSpc>
-                <a:spcPct val="90000"/>
-              </a:lnSpc>
-              <a:spcBef>
-                <a:spcPct val="0"/>
-              </a:spcBef>
-              <a:buNone/>
-              <a:defRPr sz="4400" kern="1200">
-                <a:solidFill>
-                  <a:schemeClr val="tx1"/>
-                </a:solidFill>
-                <a:latin typeface="+mj-lt"/>
-                <a:ea typeface="+mj-ea"/>
-                <a:cs typeface="+mj-cs"/>
-              </a:defRPr>
-            </a:lvl1pPr>
-          </a:lstStyle>
-          <a:p>
-            <a:pPr lvl="1"/>
-            <a:r>
-              <a:rPr lang="en-US" altLang="ko-KR" dirty="0"/>
-              <a:t>1. </a:t>
-            </a:r>
-            <a:r>
-              <a:rPr lang="ko-KR" altLang="en-US" dirty="0"/>
-              <a:t>전체 클래스 구조도</a:t>
-            </a:r>
-          </a:p>
-        </p:txBody>
-      </p:sp>
-    </p:spTree>
-    <p:extLst>
-      <p:ext uri="{BB962C8B-B14F-4D97-AF65-F5344CB8AC3E}">
-        <p14:creationId xmlns:p14="http://schemas.microsoft.com/office/powerpoint/2010/main" val="3362154839"/>
-      </p:ext>
-    </p:extLst>
-  </p:cSld>
-  <p:clrMapOvr>
-    <a:masterClrMapping/>
-  </p:clrMapOvr>
-</p:sld>
-</file>
-
-<file path=ppt/slides/slide18.xml><?xml version="1.0" encoding="utf-8"?>
-<p:sld xmlns:a="http://schemas.openxmlformats.org/drawingml/2006/main" xmlns:r="http://schemas.openxmlformats.org/officeDocument/2006/relationships" xmlns:p="http://schemas.openxmlformats.org/presentationml/2006/main">
-  <p:cSld>
-    <p:spTree>
-      <p:nvGrpSpPr>
-        <p:cNvPr id="1" name=""/>
-        <p:cNvGrpSpPr/>
-        <p:nvPr/>
-      </p:nvGrpSpPr>
-      <p:grpSpPr>
-        <a:xfrm>
-          <a:off x="0" y="0"/>
-          <a:ext cx="0" cy="0"/>
-          <a:chOff x="0" y="0"/>
-          <a:chExt cx="0" cy="0"/>
-        </a:xfrm>
-      </p:grpSpPr>
-      <p:sp>
-        <p:nvSpPr>
-          <p:cNvPr id="2" name="제목 1">
-            <a:extLst>
-              <a:ext uri="{FF2B5EF4-FFF2-40B4-BE49-F238E27FC236}">
-                <a16:creationId xmlns:a16="http://schemas.microsoft.com/office/drawing/2014/main" id="{B8D66C48-914E-4671-AFF2-919B110C4ACD}"/>
-              </a:ext>
-            </a:extLst>
-          </p:cNvPr>
-          <p:cNvSpPr>
-            <a:spLocks noGrp="1"/>
-          </p:cNvSpPr>
-          <p:nvPr>
-            <p:ph type="title"/>
-          </p:nvPr>
-        </p:nvSpPr>
-        <p:spPr>
-          <a:xfrm>
-            <a:off x="838200" y="365125"/>
-            <a:ext cx="10515600" cy="728889"/>
-          </a:xfrm>
-        </p:spPr>
-        <p:txBody>
-          <a:bodyPr/>
-          <a:lstStyle/>
-          <a:p>
-            <a:r>
-              <a:rPr lang="en-US" altLang="ko-KR" dirty="0"/>
-              <a:t>2. </a:t>
-            </a:r>
-            <a:r>
-              <a:rPr lang="ko-KR" altLang="en-US" dirty="0"/>
-              <a:t>클래스 구조도</a:t>
-            </a:r>
-          </a:p>
-        </p:txBody>
-      </p:sp>
-      <p:pic>
-        <p:nvPicPr>
-          <p:cNvPr id="8" name="내용 개체 틀 7">
-            <a:extLst>
-              <a:ext uri="{FF2B5EF4-FFF2-40B4-BE49-F238E27FC236}">
-                <a16:creationId xmlns:a16="http://schemas.microsoft.com/office/drawing/2014/main" id="{4911737D-D08A-47E8-969E-50982B18375B}"/>
-              </a:ext>
-            </a:extLst>
-          </p:cNvPr>
-          <p:cNvPicPr>
-            <a:picLocks noGrp="1" noChangeAspect="1"/>
-          </p:cNvPicPr>
-          <p:nvPr>
-            <p:ph idx="1"/>
-          </p:nvPr>
-        </p:nvPicPr>
-        <p:blipFill>
-          <a:blip r:embed="rId2">
-            <a:extLst>
-              <a:ext uri="{28A0092B-C50C-407E-A947-70E740481C1C}">
-                <a14:useLocalDpi xmlns:a14="http://schemas.microsoft.com/office/drawing/2010/main" val="0"/>
-              </a:ext>
-            </a:extLst>
-          </a:blip>
-          <a:stretch>
-            <a:fillRect/>
-          </a:stretch>
-        </p:blipFill>
-        <p:spPr>
-          <a:xfrm>
-            <a:off x="1043844" y="1690688"/>
-            <a:ext cx="10104311" cy="4823046"/>
-          </a:xfrm>
-        </p:spPr>
-      </p:pic>
-      <p:sp>
-        <p:nvSpPr>
-          <p:cNvPr id="9" name="제목 1">
-            <a:extLst>
-              <a:ext uri="{FF2B5EF4-FFF2-40B4-BE49-F238E27FC236}">
-                <a16:creationId xmlns:a16="http://schemas.microsoft.com/office/drawing/2014/main" id="{55852AFC-3500-4D6B-8698-568CF9B4B071}"/>
-              </a:ext>
-            </a:extLst>
-          </p:cNvPr>
-          <p:cNvSpPr txBox="1">
-            <a:spLocks/>
-          </p:cNvSpPr>
-          <p:nvPr/>
-        </p:nvSpPr>
-        <p:spPr>
-          <a:xfrm>
-            <a:off x="838200" y="1039246"/>
-            <a:ext cx="10515600" cy="728889"/>
-          </a:xfrm>
-          <a:prstGeom prst="rect">
-            <a:avLst/>
-          </a:prstGeom>
-        </p:spPr>
-        <p:txBody>
-          <a:bodyPr vert="horz" lIns="91440" tIns="45720" rIns="91440" bIns="45720" rtlCol="0" anchor="ctr">
-            <a:normAutofit/>
-          </a:bodyPr>
-          <a:lstStyle>
-            <a:lvl1pPr algn="l" defTabSz="914400" rtl="0" eaLnBrk="1" latinLnBrk="1" hangingPunct="1">
-              <a:lnSpc>
-                <a:spcPct val="90000"/>
-              </a:lnSpc>
-              <a:spcBef>
-                <a:spcPct val="0"/>
-              </a:spcBef>
-              <a:buNone/>
-              <a:defRPr sz="4400" kern="1200">
-                <a:solidFill>
-                  <a:schemeClr val="tx1"/>
-                </a:solidFill>
-                <a:latin typeface="+mj-lt"/>
-                <a:ea typeface="+mj-ea"/>
-                <a:cs typeface="+mj-cs"/>
-              </a:defRPr>
-            </a:lvl1pPr>
-          </a:lstStyle>
-          <a:p>
-            <a:pPr lvl="1"/>
-            <a:r>
-              <a:rPr lang="en-US" altLang="ko-KR" dirty="0"/>
-              <a:t>1. </a:t>
-            </a:r>
-            <a:r>
-              <a:rPr lang="ko-KR" altLang="en-US" dirty="0"/>
-              <a:t>전체 클래스 구조도</a:t>
-            </a:r>
-          </a:p>
-        </p:txBody>
-      </p:sp>
-    </p:spTree>
-    <p:extLst>
-      <p:ext uri="{BB962C8B-B14F-4D97-AF65-F5344CB8AC3E}">
-        <p14:creationId xmlns:p14="http://schemas.microsoft.com/office/powerpoint/2010/main" val="3162332653"/>
-      </p:ext>
-    </p:extLst>
-  </p:cSld>
-  <p:clrMapOvr>
-    <a:masterClrMapping/>
-  </p:clrMapOvr>
-</p:sld>
-</file>
-
-<file path=ppt/slides/slide19.xml><?xml version="1.0" encoding="utf-8"?>
 <p:sld xmlns:a="http://schemas.openxmlformats.org/drawingml/2006/main" xmlns:r="http://schemas.openxmlformats.org/officeDocument/2006/relationships" xmlns:p="http://schemas.openxmlformats.org/presentationml/2006/main">
   <p:cSld>
     <p:spTree>
@@ -5557,41 +4780,6 @@
           </a:p>
         </p:txBody>
       </p:sp>
-      <p:pic>
-        <p:nvPicPr>
-          <p:cNvPr id="8" name="내용 개체 틀 7">
-            <a:extLst>
-              <a:ext uri="{FF2B5EF4-FFF2-40B4-BE49-F238E27FC236}">
-                <a16:creationId xmlns:a16="http://schemas.microsoft.com/office/drawing/2014/main" id="{4911737D-D08A-47E8-969E-50982B18375B}"/>
-              </a:ext>
-            </a:extLst>
-          </p:cNvPr>
-          <p:cNvPicPr>
-            <a:picLocks noGrp="1" noChangeAspect="1"/>
-          </p:cNvPicPr>
-          <p:nvPr>
-            <p:ph idx="1"/>
-          </p:nvPr>
-        </p:nvPicPr>
-        <p:blipFill>
-          <a:blip r:embed="rId2">
-            <a:extLst>
-              <a:ext uri="{28A0092B-C50C-407E-A947-70E740481C1C}">
-                <a14:useLocalDpi xmlns:a14="http://schemas.microsoft.com/office/drawing/2010/main" val="0"/>
-              </a:ext>
-            </a:extLst>
-          </a:blip>
-          <a:stretch>
-            <a:fillRect/>
-          </a:stretch>
-        </p:blipFill>
-        <p:spPr>
-          <a:xfrm>
-            <a:off x="2076794" y="1690688"/>
-            <a:ext cx="8038410" cy="4823046"/>
-          </a:xfrm>
-        </p:spPr>
-      </p:pic>
       <p:sp>
         <p:nvSpPr>
           <p:cNvPr id="9" name="제목 1">
@@ -5640,6 +4828,31 @@
           </a:lstStyle>
           <a:p>
             <a:pPr lvl="1"/>
+            <a:endParaRPr lang="ko-KR" altLang="en-US" dirty="0"/>
+          </a:p>
+        </p:txBody>
+      </p:sp>
+      <p:sp>
+        <p:nvSpPr>
+          <p:cNvPr id="11" name="내용 개체 틀 10">
+            <a:extLst>
+              <a:ext uri="{FF2B5EF4-FFF2-40B4-BE49-F238E27FC236}">
+                <a16:creationId xmlns:a16="http://schemas.microsoft.com/office/drawing/2014/main" id="{6F0DDB0B-4F1A-45E5-885D-0636D4F574E2}"/>
+              </a:ext>
+            </a:extLst>
+          </p:cNvPr>
+          <p:cNvSpPr>
+            <a:spLocks noGrp="1"/>
+          </p:cNvSpPr>
+          <p:nvPr>
+            <p:ph idx="1"/>
+          </p:nvPr>
+        </p:nvSpPr>
+        <p:spPr/>
+        <p:txBody>
+          <a:bodyPr/>
+          <a:lstStyle/>
+          <a:p>
             <a:r>
               <a:rPr lang="en-US" altLang="ko-KR" dirty="0"/>
               <a:t>1)</a:t>
@@ -5688,6 +4901,71 @@
               <a:rPr lang="ko-KR" altLang="en-US" dirty="0"/>
               <a:t>저장하는 기능</a:t>
             </a:r>
+            <a:endParaRPr lang="en-US" altLang="ko-KR" dirty="0"/>
+          </a:p>
+          <a:p>
+            <a:r>
+              <a:rPr lang="en-US" altLang="ko-KR" dirty="0"/>
+              <a:t>2) </a:t>
+            </a:r>
+            <a:r>
+              <a:rPr lang="ko-KR" altLang="en-US" dirty="0"/>
+              <a:t>노트가 일직선으로 내려오는 것이 아닌</a:t>
+            </a:r>
+            <a:r>
+              <a:rPr lang="en-US" altLang="ko-KR" dirty="0"/>
+              <a:t>, </a:t>
+            </a:r>
+            <a:r>
+              <a:rPr lang="ko-KR" altLang="en-US" dirty="0"/>
+              <a:t>점점 커지며 입체적으로 다가오는 기능</a:t>
+            </a:r>
+            <a:r>
+              <a:rPr lang="en-US" altLang="ko-KR" dirty="0"/>
+              <a:t> </a:t>
+            </a:r>
+            <a:endParaRPr lang="ko-KR" altLang="en-US" dirty="0"/>
+          </a:p>
+          <a:p>
+            <a:r>
+              <a:rPr lang="en-US" altLang="ko-KR" dirty="0"/>
+              <a:t>3) </a:t>
+            </a:r>
+            <a:r>
+              <a:rPr lang="ko-KR" altLang="en-US" dirty="0"/>
+              <a:t>지정된 형식의 노트파일을 읽어 그대로 화면에 출력해주는 기능</a:t>
+            </a:r>
+          </a:p>
+          <a:p>
+            <a:r>
+              <a:rPr lang="en-US" altLang="ko-KR" dirty="0"/>
+              <a:t>4) </a:t>
+            </a:r>
+            <a:r>
+              <a:rPr lang="ko-KR" altLang="en-US" dirty="0"/>
+              <a:t>판정에</a:t>
+            </a:r>
+            <a:r>
+              <a:rPr lang="en-US" altLang="ko-KR" dirty="0"/>
+              <a:t> </a:t>
+            </a:r>
+            <a:r>
+              <a:rPr lang="ko-KR" altLang="en-US" dirty="0"/>
+              <a:t>따라 다른 색의 이펙트가 나오는 기능</a:t>
+            </a:r>
+          </a:p>
+          <a:p>
+            <a:r>
+              <a:rPr lang="en-US" altLang="ko-KR" dirty="0"/>
+              <a:t>5) </a:t>
+            </a:r>
+            <a:r>
+              <a:rPr lang="ko-KR" altLang="en-US" dirty="0"/>
+              <a:t>판정과 콤보에 따른 점수 측정 및 최고점수 저장 기능</a:t>
+            </a:r>
+          </a:p>
+          <a:p>
+            <a:endParaRPr lang="ko-KR" altLang="en-US" dirty="0"/>
           </a:p>
         </p:txBody>
       </p:sp>
@@ -5744,16 +5022,34 @@
           </a:xfrm>
         </p:spPr>
         <p:txBody>
-          <a:bodyPr/>
+          <a:bodyPr>
+            <a:normAutofit/>
+          </a:bodyPr>
           <a:lstStyle/>
           <a:p>
             <a:r>
               <a:rPr lang="en-US" altLang="ko-KR" dirty="0"/>
-              <a:t>1. </a:t>
+              <a:t>2. </a:t>
             </a:r>
             <a:r>
               <a:rPr lang="ko-KR" altLang="en-US" dirty="0"/>
-              <a:t>구현된 기능</a:t>
+              <a:t>코드</a:t>
+            </a:r>
+            <a:r>
+              <a:rPr lang="en-US" altLang="ko-KR" dirty="0"/>
+              <a:t> </a:t>
+            </a:r>
+            <a:r>
+              <a:rPr lang="ko-KR" altLang="en-US" dirty="0"/>
+              <a:t>설명</a:t>
+            </a:r>
+            <a:r>
+              <a:rPr lang="en-US" altLang="ko-KR" dirty="0"/>
+              <a:t>-</a:t>
+            </a:r>
+            <a:r>
+              <a:rPr lang="ko-KR" altLang="en-US" dirty="0"/>
+              <a:t>클래스 구조도</a:t>
             </a:r>
           </a:p>
         </p:txBody>
@@ -5788,8 +5084,8 @@
         </p:blipFill>
         <p:spPr>
           <a:xfrm>
-            <a:off x="2076794" y="1690688"/>
-            <a:ext cx="8038410" cy="4823046"/>
+            <a:off x="1043844" y="1690688"/>
+            <a:ext cx="10104311" cy="4823046"/>
           </a:xfrm>
         </p:spPr>
       </p:pic>
@@ -5843,32 +5139,19 @@
             <a:pPr lvl="1"/>
             <a:r>
               <a:rPr lang="en-US" altLang="ko-KR" dirty="0"/>
-              <a:t>2) </a:t>
+              <a:t>1) </a:t>
             </a:r>
             <a:r>
               <a:rPr lang="ko-KR" altLang="en-US" dirty="0"/>
-              <a:t>노트가 일직선으로 내려오는 것이 아닌</a:t>
-            </a:r>
-            <a:r>
-              <a:rPr lang="en-US" altLang="ko-KR" dirty="0"/>
-              <a:t>, </a:t>
-            </a:r>
-            <a:r>
-              <a:rPr lang="ko-KR" altLang="en-US" dirty="0"/>
-              <a:t>점점 커지며 입체적으로 다가오는 기능</a:t>
-            </a:r>
-            <a:r>
-              <a:rPr lang="en-US" altLang="ko-KR" dirty="0"/>
-              <a:t> </a:t>
-            </a:r>
-            <a:endParaRPr lang="ko-KR" altLang="en-US" dirty="0"/>
+              <a:t>전체 클래스 구조도</a:t>
+            </a:r>
           </a:p>
         </p:txBody>
       </p:sp>
     </p:spTree>
     <p:extLst>
       <p:ext uri="{BB962C8B-B14F-4D97-AF65-F5344CB8AC3E}">
-        <p14:creationId xmlns:p14="http://schemas.microsoft.com/office/powerpoint/2010/main" val="1710246873"/>
+        <p14:creationId xmlns:p14="http://schemas.microsoft.com/office/powerpoint/2010/main" val="4288627627"/>
       </p:ext>
     </p:extLst>
   </p:cSld>
@@ -5923,11 +5206,19 @@
           <a:p>
             <a:r>
               <a:rPr lang="en-US" altLang="ko-KR" dirty="0"/>
-              <a:t>1. </a:t>
+              <a:t>2. </a:t>
             </a:r>
             <a:r>
               <a:rPr lang="ko-KR" altLang="en-US" dirty="0"/>
-              <a:t>구현된 기능</a:t>
+              <a:t>코드설명</a:t>
+            </a:r>
+            <a:r>
+              <a:rPr lang="en-US" altLang="ko-KR" dirty="0"/>
+              <a:t>-</a:t>
+            </a:r>
+            <a:r>
+              <a:rPr lang="ko-KR" altLang="en-US" dirty="0"/>
+              <a:t>클래스 구조도</a:t>
             </a:r>
           </a:p>
         </p:txBody>
@@ -5962,8 +5253,8 @@
         </p:blipFill>
         <p:spPr>
           <a:xfrm>
-            <a:off x="3457765" y="2105195"/>
-            <a:ext cx="6751030" cy="4050618"/>
+            <a:off x="1043844" y="2606321"/>
+            <a:ext cx="10104311" cy="2991779"/>
           </a:xfrm>
         </p:spPr>
       </p:pic>
@@ -6017,49 +5308,20 @@
             <a:pPr lvl="1"/>
             <a:r>
               <a:rPr lang="en-US" altLang="ko-KR" dirty="0"/>
-              <a:t>3) </a:t>
-            </a:r>
-            <a:r>
-              <a:rPr lang="ko-KR" altLang="en-US" dirty="0"/>
-              <a:t>지정된 형식의 노트파일을 읽어 그대로 화면에 출력해주는 기능</a:t>
-            </a:r>
-          </a:p>
-        </p:txBody>
-      </p:sp>
-      <p:pic>
-        <p:nvPicPr>
-          <p:cNvPr id="3" name="그림 2">
-            <a:extLst>
-              <a:ext uri="{FF2B5EF4-FFF2-40B4-BE49-F238E27FC236}">
-                <a16:creationId xmlns:a16="http://schemas.microsoft.com/office/drawing/2014/main" id="{5D010065-43C7-4846-925A-D7728EB0135F}"/>
-              </a:ext>
-            </a:extLst>
-          </p:cNvPr>
-          <p:cNvPicPr>
-            <a:picLocks noChangeAspect="1"/>
-          </p:cNvPicPr>
-          <p:nvPr/>
-        </p:nvPicPr>
-        <p:blipFill>
-          <a:blip r:embed="rId3"/>
-          <a:stretch>
-            <a:fillRect/>
-          </a:stretch>
-        </p:blipFill>
-        <p:spPr>
-          <a:xfrm>
-            <a:off x="1441232" y="1669827"/>
-            <a:ext cx="1747065" cy="4823047"/>
-          </a:xfrm>
-          <a:prstGeom prst="rect">
-            <a:avLst/>
-          </a:prstGeom>
-        </p:spPr>
-      </p:pic>
+              <a:t>2) </a:t>
+            </a:r>
+            <a:r>
+              <a:rPr lang="en-US" altLang="ko-KR" dirty="0" err="1"/>
+              <a:t>Model_formatPackage</a:t>
+            </a:r>
+            <a:endParaRPr lang="ko-KR" altLang="en-US" dirty="0"/>
+          </a:p>
+        </p:txBody>
+      </p:sp>
     </p:spTree>
     <p:extLst>
       <p:ext uri="{BB962C8B-B14F-4D97-AF65-F5344CB8AC3E}">
-        <p14:creationId xmlns:p14="http://schemas.microsoft.com/office/powerpoint/2010/main" val="3813320289"/>
+        <p14:creationId xmlns:p14="http://schemas.microsoft.com/office/powerpoint/2010/main" val="1636743570"/>
       </p:ext>
     </p:extLst>
   </p:cSld>
@@ -6114,11 +5376,19 @@
           <a:p>
             <a:r>
               <a:rPr lang="en-US" altLang="ko-KR" dirty="0"/>
-              <a:t>1. </a:t>
+              <a:t>2. </a:t>
             </a:r>
             <a:r>
               <a:rPr lang="ko-KR" altLang="en-US" dirty="0"/>
-              <a:t>구현된 기능</a:t>
+              <a:t>코드설명</a:t>
+            </a:r>
+            <a:r>
+              <a:rPr lang="en-US" altLang="ko-KR" dirty="0"/>
+              <a:t>-</a:t>
+            </a:r>
+            <a:r>
+              <a:rPr lang="ko-KR" altLang="en-US" dirty="0"/>
+              <a:t>클래스 명세표</a:t>
             </a:r>
           </a:p>
         </p:txBody>
@@ -6173,59 +5443,336 @@
             <a:pPr lvl="1"/>
             <a:r>
               <a:rPr lang="en-US" altLang="ko-KR" dirty="0"/>
-              <a:t>4) </a:t>
-            </a:r>
-            <a:r>
-              <a:rPr lang="ko-KR" altLang="en-US" dirty="0"/>
-              <a:t>판정에</a:t>
-            </a:r>
-            <a:r>
-              <a:rPr lang="en-US" altLang="ko-KR" dirty="0"/>
+              <a:t>2) </a:t>
+            </a:r>
+            <a:r>
+              <a:rPr lang="en-US" altLang="ko-KR" dirty="0" err="1"/>
+              <a:t>Model_formatPackage</a:t>
+            </a:r>
+            <a:endParaRPr lang="ko-KR" altLang="en-US" dirty="0"/>
+          </a:p>
+        </p:txBody>
+      </p:sp>
+      <p:sp>
+        <p:nvSpPr>
+          <p:cNvPr id="4" name="내용 개체 틀 3">
+            <a:extLst>
+              <a:ext uri="{FF2B5EF4-FFF2-40B4-BE49-F238E27FC236}">
+                <a16:creationId xmlns:a16="http://schemas.microsoft.com/office/drawing/2014/main" id="{69F5C882-E919-4AB7-B2E4-E7215EADAD99}"/>
+              </a:ext>
+            </a:extLst>
+          </p:cNvPr>
+          <p:cNvSpPr>
+            <a:spLocks noGrp="1"/>
+          </p:cNvSpPr>
+          <p:nvPr>
+            <p:ph idx="1"/>
+          </p:nvPr>
+        </p:nvSpPr>
+        <p:spPr/>
+        <p:txBody>
+          <a:bodyPr>
+            <a:normAutofit/>
+          </a:bodyPr>
+          <a:lstStyle/>
+          <a:p>
+            <a:r>
+              <a:rPr lang="en-US" altLang="ko-KR" sz="1600" dirty="0"/>
+              <a:t>noteFormat.java : </a:t>
+            </a:r>
+            <a:r>
+              <a:rPr lang="ko-KR" altLang="en-US" sz="1600" dirty="0"/>
+              <a:t>노트의 형식이 지정된 클래스</a:t>
+            </a:r>
+            <a:endParaRPr lang="en-US" altLang="ko-KR" sz="1600" dirty="0"/>
+          </a:p>
+          <a:p>
+            <a:pPr lvl="1"/>
+            <a:r>
+              <a:rPr lang="en-US" altLang="ko-KR" sz="1200" dirty="0"/>
+              <a:t>line : </a:t>
+            </a:r>
+            <a:r>
+              <a:rPr lang="ko-KR" altLang="en-US" sz="1200" dirty="0"/>
+              <a:t>노트가</a:t>
+            </a:r>
+            <a:r>
+              <a:rPr lang="en-US" altLang="ko-KR" sz="1200" dirty="0"/>
               <a:t> </a:t>
             </a:r>
             <a:r>
-              <a:rPr lang="ko-KR" altLang="en-US" dirty="0"/>
-              <a:t>따라 다른 색의 이펙트가 나오는 기능</a:t>
-            </a:r>
-          </a:p>
-        </p:txBody>
-      </p:sp>
-      <p:pic>
-        <p:nvPicPr>
-          <p:cNvPr id="6" name="내용 개체 틀 5">
-            <a:extLst>
-              <a:ext uri="{FF2B5EF4-FFF2-40B4-BE49-F238E27FC236}">
-                <a16:creationId xmlns:a16="http://schemas.microsoft.com/office/drawing/2014/main" id="{7988D85C-4585-4325-9B54-AF5F58B53ACD}"/>
-              </a:ext>
-            </a:extLst>
-          </p:cNvPr>
-          <p:cNvPicPr>
-            <a:picLocks noGrp="1" noChangeAspect="1"/>
-          </p:cNvPicPr>
-          <p:nvPr>
-            <p:ph idx="1"/>
-          </p:nvPr>
-        </p:nvPicPr>
-        <p:blipFill>
-          <a:blip r:embed="rId2"/>
-          <a:stretch>
-            <a:fillRect/>
-          </a:stretch>
-        </p:blipFill>
-        <p:spPr>
-          <a:xfrm>
-            <a:off x="2451640" y="1825625"/>
-            <a:ext cx="7288719" cy="4351338"/>
-          </a:xfrm>
-          <a:prstGeom prst="rect">
-            <a:avLst/>
-          </a:prstGeom>
-        </p:spPr>
-      </p:pic>
+              <a:rPr lang="ko-KR" altLang="en-US" sz="1200" dirty="0"/>
+              <a:t>나타날 라인</a:t>
+            </a:r>
+            <a:endParaRPr lang="en-US" altLang="ko-KR" sz="1200" dirty="0"/>
+          </a:p>
+          <a:p>
+            <a:pPr lvl="1"/>
+            <a:r>
+              <a:rPr lang="en-US" altLang="ko-KR" sz="1200" dirty="0"/>
+              <a:t>timing</a:t>
+            </a:r>
+            <a:r>
+              <a:rPr lang="ko-KR" altLang="en-US" sz="1200" dirty="0"/>
+              <a:t> </a:t>
+            </a:r>
+            <a:r>
+              <a:rPr lang="en-US" altLang="ko-KR" sz="1200" dirty="0"/>
+              <a:t>:</a:t>
+            </a:r>
+            <a:r>
+              <a:rPr lang="ko-KR" altLang="en-US" sz="1200" dirty="0"/>
+              <a:t> 노트의 판정 시간</a:t>
+            </a:r>
+            <a:endParaRPr lang="en-US" altLang="ko-KR" sz="1600" dirty="0"/>
+          </a:p>
+          <a:p>
+            <a:r>
+              <a:rPr lang="en-US" altLang="ko-KR" sz="1600" dirty="0"/>
+              <a:t>collisionTypeFormat.java : </a:t>
+            </a:r>
+            <a:r>
+              <a:rPr lang="ko-KR" altLang="en-US" sz="1600" dirty="0"/>
+              <a:t>노트의 판정 타입 형식이 지정된 클래스</a:t>
+            </a:r>
+            <a:endParaRPr lang="en-US" altLang="ko-KR" sz="1600" dirty="0"/>
+          </a:p>
+          <a:p>
+            <a:pPr lvl="1"/>
+            <a:r>
+              <a:rPr lang="en-US" altLang="ko-KR" sz="1200" dirty="0" err="1"/>
+              <a:t>collisionTypeList</a:t>
+            </a:r>
+            <a:r>
+              <a:rPr lang="en-US" altLang="ko-KR" sz="1200" dirty="0"/>
+              <a:t> : </a:t>
+            </a:r>
+            <a:r>
+              <a:rPr lang="ko-KR" altLang="en-US" sz="1200" dirty="0"/>
+              <a:t>노트의 판정 타입들이 저장된 리스트</a:t>
+            </a:r>
+            <a:endParaRPr lang="en-US" altLang="ko-KR" sz="1200" dirty="0"/>
+          </a:p>
+          <a:p>
+            <a:pPr lvl="1"/>
+            <a:r>
+              <a:rPr lang="en-US" altLang="ko-KR" sz="1200" dirty="0" err="1"/>
+              <a:t>collisionType</a:t>
+            </a:r>
+            <a:r>
+              <a:rPr lang="en-US" altLang="ko-KR" sz="1200" dirty="0"/>
+              <a:t> : </a:t>
+            </a:r>
+            <a:r>
+              <a:rPr lang="ko-KR" altLang="en-US" sz="1200" dirty="0"/>
+              <a:t>확인중인 노트의 판정 타입</a:t>
+            </a:r>
+            <a:endParaRPr lang="en-US" altLang="ko-KR" sz="1200" dirty="0"/>
+          </a:p>
+          <a:p>
+            <a:pPr lvl="1"/>
+            <a:r>
+              <a:rPr lang="en-US" altLang="ko-KR" sz="1200" dirty="0"/>
+              <a:t>line</a:t>
+            </a:r>
+            <a:r>
+              <a:rPr lang="ko-KR" altLang="en-US" sz="1200" dirty="0"/>
+              <a:t> </a:t>
+            </a:r>
+            <a:r>
+              <a:rPr lang="en-US" altLang="ko-KR" sz="1200" dirty="0"/>
+              <a:t>:</a:t>
+            </a:r>
+            <a:r>
+              <a:rPr lang="ko-KR" altLang="en-US" sz="1200" dirty="0"/>
+              <a:t> 확인중인 노트가 나타난 라인</a:t>
+            </a:r>
+            <a:endParaRPr lang="en-US" altLang="ko-KR" sz="1200" dirty="0"/>
+          </a:p>
+          <a:p>
+            <a:r>
+              <a:rPr lang="en-US" altLang="ko-KR" sz="1600" dirty="0"/>
+              <a:t>scoreFormat.java : </a:t>
+            </a:r>
+            <a:r>
+              <a:rPr lang="ko-KR" altLang="en-US" sz="1600" dirty="0"/>
+              <a:t>점수 정보를 가지는 클래스</a:t>
+            </a:r>
+            <a:endParaRPr lang="en-US" altLang="ko-KR" sz="1600" dirty="0"/>
+          </a:p>
+          <a:p>
+            <a:pPr lvl="1"/>
+            <a:r>
+              <a:rPr lang="en-US" altLang="ko-KR" sz="1200" dirty="0"/>
+              <a:t>score : </a:t>
+            </a:r>
+            <a:r>
+              <a:rPr lang="ko-KR" altLang="en-US" sz="1200" dirty="0"/>
+              <a:t>점수</a:t>
+            </a:r>
+            <a:endParaRPr lang="en-US" altLang="ko-KR" sz="1200" dirty="0"/>
+          </a:p>
+          <a:p>
+            <a:pPr lvl="1"/>
+            <a:r>
+              <a:rPr lang="en-US" altLang="ko-KR" sz="1200" dirty="0"/>
+              <a:t>combo</a:t>
+            </a:r>
+            <a:r>
+              <a:rPr lang="ko-KR" altLang="en-US" sz="1200" dirty="0"/>
+              <a:t> </a:t>
+            </a:r>
+            <a:r>
+              <a:rPr lang="en-US" altLang="ko-KR" sz="1200" dirty="0"/>
+              <a:t>:</a:t>
+            </a:r>
+            <a:r>
+              <a:rPr lang="ko-KR" altLang="en-US" sz="1200" dirty="0"/>
+              <a:t> 콤보</a:t>
+            </a:r>
+            <a:endParaRPr lang="en-US" altLang="ko-KR" sz="1200" dirty="0"/>
+          </a:p>
+          <a:p>
+            <a:pPr lvl="1"/>
+            <a:r>
+              <a:rPr lang="en-US" altLang="ko-KR" sz="1200" dirty="0" err="1"/>
+              <a:t>maxCombo</a:t>
+            </a:r>
+            <a:r>
+              <a:rPr lang="en-US" altLang="ko-KR" sz="1200" dirty="0"/>
+              <a:t> : </a:t>
+            </a:r>
+            <a:r>
+              <a:rPr lang="ko-KR" altLang="en-US" sz="1200" dirty="0"/>
+              <a:t>최대 콤보</a:t>
+            </a:r>
+            <a:endParaRPr lang="en-US" altLang="ko-KR" sz="1200" dirty="0"/>
+          </a:p>
+          <a:p>
+            <a:pPr lvl="1"/>
+            <a:r>
+              <a:rPr lang="en-US" altLang="ko-KR" sz="1200" dirty="0" err="1"/>
+              <a:t>perfectHit</a:t>
+            </a:r>
+            <a:r>
+              <a:rPr lang="en-US" altLang="ko-KR" sz="1200" dirty="0"/>
+              <a:t> : perfect </a:t>
+            </a:r>
+            <a:r>
+              <a:rPr lang="ko-KR" altLang="en-US" sz="1200" dirty="0"/>
+              <a:t>판정을 받은 노트의 수</a:t>
+            </a:r>
+            <a:endParaRPr lang="en-US" altLang="ko-KR" sz="1200" dirty="0"/>
+          </a:p>
+          <a:p>
+            <a:r>
+              <a:rPr lang="en-US" altLang="ko-KR" sz="1600" dirty="0"/>
+              <a:t>gameInputFormat.java</a:t>
+            </a:r>
+            <a:r>
+              <a:rPr lang="ko-KR" altLang="en-US" sz="1600" dirty="0"/>
+              <a:t> </a:t>
+            </a:r>
+            <a:r>
+              <a:rPr lang="en-US" altLang="ko-KR" sz="1600" dirty="0"/>
+              <a:t>:</a:t>
+            </a:r>
+            <a:r>
+              <a:rPr lang="ko-KR" altLang="en-US" sz="1600" dirty="0"/>
+              <a:t> </a:t>
+            </a:r>
+            <a:r>
+              <a:rPr lang="ko-KR" altLang="en-US" sz="1600" dirty="0" err="1"/>
+              <a:t>입력받은</a:t>
+            </a:r>
+            <a:r>
+              <a:rPr lang="ko-KR" altLang="en-US" sz="1600" dirty="0"/>
+              <a:t> 키에 매칭되는 라인과 입력 타이밍을 가지는 클래스</a:t>
+            </a:r>
+            <a:endParaRPr lang="en-US" altLang="ko-KR" sz="400" dirty="0"/>
+          </a:p>
+          <a:p>
+            <a:pPr lvl="1"/>
+            <a:r>
+              <a:rPr lang="en-US" altLang="ko-KR" sz="1200" dirty="0" err="1"/>
+              <a:t>availableKeyList</a:t>
+            </a:r>
+            <a:r>
+              <a:rPr lang="en-US" altLang="ko-KR" sz="1200" dirty="0"/>
+              <a:t> : </a:t>
+            </a:r>
+            <a:r>
+              <a:rPr lang="ko-KR" altLang="en-US" sz="1200" dirty="0"/>
+              <a:t>게임 노트에 </a:t>
+            </a:r>
+            <a:r>
+              <a:rPr lang="ko-KR" altLang="en-US" sz="1200" dirty="0" err="1"/>
+              <a:t>매핑되는</a:t>
+            </a:r>
+            <a:r>
+              <a:rPr lang="ko-KR" altLang="en-US" sz="1200" dirty="0"/>
+              <a:t> </a:t>
+            </a:r>
+            <a:r>
+              <a:rPr lang="ko-KR" altLang="en-US" sz="1200" dirty="0" err="1"/>
+              <a:t>키값</a:t>
+            </a:r>
+            <a:r>
+              <a:rPr lang="ko-KR" altLang="en-US" sz="1200" dirty="0"/>
+              <a:t> 리스트</a:t>
+            </a:r>
+            <a:endParaRPr lang="en-US" altLang="ko-KR" sz="1200" dirty="0"/>
+          </a:p>
+          <a:p>
+            <a:pPr lvl="1"/>
+            <a:r>
+              <a:rPr lang="en-US" altLang="ko-KR" sz="1200" dirty="0"/>
+              <a:t>line : </a:t>
+            </a:r>
+            <a:r>
+              <a:rPr lang="ko-KR" altLang="en-US" sz="1200" dirty="0" err="1"/>
+              <a:t>입력받은</a:t>
+            </a:r>
+            <a:r>
+              <a:rPr lang="ko-KR" altLang="en-US" sz="1200" dirty="0"/>
+              <a:t> 키에 </a:t>
+            </a:r>
+            <a:r>
+              <a:rPr lang="ko-KR" altLang="en-US" sz="1200" dirty="0" err="1"/>
+              <a:t>매핑되는</a:t>
+            </a:r>
+            <a:r>
+              <a:rPr lang="ko-KR" altLang="en-US" sz="1200" dirty="0"/>
+              <a:t> 라인</a:t>
+            </a:r>
+            <a:endParaRPr lang="en-US" altLang="ko-KR" sz="1200" dirty="0"/>
+          </a:p>
+          <a:p>
+            <a:pPr lvl="1"/>
+            <a:r>
+              <a:rPr lang="en-US" altLang="ko-KR" sz="1200" dirty="0"/>
+              <a:t>timing</a:t>
+            </a:r>
+            <a:r>
+              <a:rPr lang="ko-KR" altLang="en-US" sz="1200" dirty="0"/>
+              <a:t> </a:t>
+            </a:r>
+            <a:r>
+              <a:rPr lang="en-US" altLang="ko-KR" sz="1200" dirty="0"/>
+              <a:t>:</a:t>
+            </a:r>
+            <a:r>
+              <a:rPr lang="ko-KR" altLang="en-US" sz="1200" dirty="0"/>
+              <a:t> 키 입력이 들어온 시간</a:t>
+            </a:r>
+            <a:endParaRPr lang="en-US" altLang="ko-KR" sz="1200" dirty="0"/>
+          </a:p>
+        </p:txBody>
+      </p:sp>
     </p:spTree>
     <p:extLst>
       <p:ext uri="{BB962C8B-B14F-4D97-AF65-F5344CB8AC3E}">
-        <p14:creationId xmlns:p14="http://schemas.microsoft.com/office/powerpoint/2010/main" val="1812714350"/>
+        <p14:creationId xmlns:p14="http://schemas.microsoft.com/office/powerpoint/2010/main" val="3530392251"/>
       </p:ext>
     </p:extLst>
   </p:cSld>
@@ -6280,11 +5827,19 @@
           <a:p>
             <a:r>
               <a:rPr lang="en-US" altLang="ko-KR" dirty="0"/>
-              <a:t>1. </a:t>
+              <a:t>2. </a:t>
             </a:r>
             <a:r>
               <a:rPr lang="ko-KR" altLang="en-US" dirty="0"/>
-              <a:t>구현된 기능</a:t>
+              <a:t>코드설명</a:t>
+            </a:r>
+            <a:r>
+              <a:rPr lang="en-US" altLang="ko-KR" dirty="0"/>
+              <a:t>-</a:t>
+            </a:r>
+            <a:r>
+              <a:rPr lang="ko-KR" altLang="en-US" dirty="0"/>
+              <a:t>클래스 구조도</a:t>
             </a:r>
           </a:p>
         </p:txBody>
@@ -6319,8 +5874,8 @@
         </p:blipFill>
         <p:spPr>
           <a:xfrm>
-            <a:off x="2076794" y="1690688"/>
-            <a:ext cx="8038410" cy="4823046"/>
+            <a:off x="1043844" y="1937575"/>
+            <a:ext cx="10104311" cy="4329271"/>
           </a:xfrm>
         </p:spPr>
       </p:pic>
@@ -6374,19 +5929,20 @@
             <a:pPr lvl="1"/>
             <a:r>
               <a:rPr lang="en-US" altLang="ko-KR" dirty="0"/>
-              <a:t>5) </a:t>
-            </a:r>
-            <a:r>
-              <a:rPr lang="ko-KR" altLang="en-US" dirty="0"/>
-              <a:t>판정과 콤보에 따른 점수 측정 및 최고점수 저장 기능</a:t>
-            </a:r>
+              <a:t>3) </a:t>
+            </a:r>
+            <a:r>
+              <a:rPr lang="en-US" altLang="ko-KR" dirty="0" err="1"/>
+              <a:t>Model_readerPackage</a:t>
+            </a:r>
+            <a:endParaRPr lang="ko-KR" altLang="en-US" dirty="0"/>
           </a:p>
         </p:txBody>
       </p:sp>
     </p:spTree>
     <p:extLst>
       <p:ext uri="{BB962C8B-B14F-4D97-AF65-F5344CB8AC3E}">
-        <p14:creationId xmlns:p14="http://schemas.microsoft.com/office/powerpoint/2010/main" val="2230203676"/>
+        <p14:creationId xmlns:p14="http://schemas.microsoft.com/office/powerpoint/2010/main" val="660517082"/>
       </p:ext>
     </p:extLst>
   </p:cSld>
@@ -6436,9 +5992,7 @@
           </a:xfrm>
         </p:spPr>
         <p:txBody>
-          <a:bodyPr>
-            <a:normAutofit/>
-          </a:bodyPr>
+          <a:bodyPr/>
           <a:lstStyle/>
           <a:p>
             <a:r>
@@ -6447,15 +6001,7 @@
             </a:r>
             <a:r>
               <a:rPr lang="ko-KR" altLang="en-US" dirty="0"/>
-              <a:t>코드</a:t>
-            </a:r>
-            <a:r>
-              <a:rPr lang="en-US" altLang="ko-KR" dirty="0"/>
-              <a:t> </a:t>
-            </a:r>
-            <a:r>
-              <a:rPr lang="ko-KR" altLang="en-US" dirty="0"/>
-              <a:t>설명</a:t>
+              <a:t>코드설명</a:t>
             </a:r>
             <a:r>
               <a:rPr lang="en-US" altLang="ko-KR" dirty="0"/>
@@ -6463,46 +6009,11 @@
             </a:r>
             <a:r>
               <a:rPr lang="ko-KR" altLang="en-US" dirty="0"/>
-              <a:t>클래스 구조도</a:t>
-            </a:r>
-          </a:p>
-        </p:txBody>
-      </p:sp>
-      <p:pic>
-        <p:nvPicPr>
-          <p:cNvPr id="8" name="내용 개체 틀 7">
-            <a:extLst>
-              <a:ext uri="{FF2B5EF4-FFF2-40B4-BE49-F238E27FC236}">
-                <a16:creationId xmlns:a16="http://schemas.microsoft.com/office/drawing/2014/main" id="{4911737D-D08A-47E8-969E-50982B18375B}"/>
-              </a:ext>
-            </a:extLst>
-          </p:cNvPr>
-          <p:cNvPicPr>
-            <a:picLocks noGrp="1" noChangeAspect="1"/>
-          </p:cNvPicPr>
-          <p:nvPr>
-            <p:ph idx="1"/>
-          </p:nvPr>
-        </p:nvPicPr>
-        <p:blipFill>
-          <a:blip r:embed="rId2">
-            <a:extLst>
-              <a:ext uri="{28A0092B-C50C-407E-A947-70E740481C1C}">
-                <a14:useLocalDpi xmlns:a14="http://schemas.microsoft.com/office/drawing/2010/main" val="0"/>
-              </a:ext>
-            </a:extLst>
-          </a:blip>
-          <a:stretch>
-            <a:fillRect/>
-          </a:stretch>
-        </p:blipFill>
-        <p:spPr>
-          <a:xfrm>
-            <a:off x="1043844" y="1690688"/>
-            <a:ext cx="10104311" cy="4823046"/>
-          </a:xfrm>
-        </p:spPr>
-      </p:pic>
+              <a:t>클래스 명세표</a:t>
+            </a:r>
+          </a:p>
+        </p:txBody>
+      </p:sp>
       <p:sp>
         <p:nvSpPr>
           <p:cNvPr id="9" name="제목 1">
@@ -6553,19 +6064,336 @@
             <a:pPr lvl="1"/>
             <a:r>
               <a:rPr lang="en-US" altLang="ko-KR" dirty="0"/>
-              <a:t>1) </a:t>
-            </a:r>
-            <a:r>
-              <a:rPr lang="ko-KR" altLang="en-US" dirty="0"/>
-              <a:t>전체 클래스 구조도</a:t>
-            </a:r>
+              <a:t>3) </a:t>
+            </a:r>
+            <a:r>
+              <a:rPr lang="en-US" altLang="ko-KR" dirty="0" err="1"/>
+              <a:t>Model_readerPackage</a:t>
+            </a:r>
+            <a:endParaRPr lang="ko-KR" altLang="en-US" dirty="0"/>
+          </a:p>
+        </p:txBody>
+      </p:sp>
+      <p:sp>
+        <p:nvSpPr>
+          <p:cNvPr id="4" name="내용 개체 틀 3">
+            <a:extLst>
+              <a:ext uri="{FF2B5EF4-FFF2-40B4-BE49-F238E27FC236}">
+                <a16:creationId xmlns:a16="http://schemas.microsoft.com/office/drawing/2014/main" id="{69F5C882-E919-4AB7-B2E4-E7215EADAD99}"/>
+              </a:ext>
+            </a:extLst>
+          </p:cNvPr>
+          <p:cNvSpPr>
+            <a:spLocks noGrp="1"/>
+          </p:cNvSpPr>
+          <p:nvPr>
+            <p:ph idx="1"/>
+          </p:nvPr>
+        </p:nvSpPr>
+        <p:spPr/>
+        <p:txBody>
+          <a:bodyPr>
+            <a:normAutofit/>
+          </a:bodyPr>
+          <a:lstStyle/>
+          <a:p>
+            <a:r>
+              <a:rPr lang="en-US" altLang="ko-KR" sz="1600" dirty="0"/>
+              <a:t>SongValue.java : </a:t>
+            </a:r>
+            <a:r>
+              <a:rPr lang="ko-KR" altLang="en-US" sz="1600" dirty="0"/>
+              <a:t>노트의 형식이 지정된 클래스</a:t>
+            </a:r>
+            <a:endParaRPr lang="en-US" altLang="ko-KR" sz="1600" dirty="0"/>
+          </a:p>
+          <a:p>
+            <a:pPr lvl="1"/>
+            <a:r>
+              <a:rPr lang="en-US" altLang="ko-KR" sz="1200" dirty="0"/>
+              <a:t>line : </a:t>
+            </a:r>
+            <a:r>
+              <a:rPr lang="ko-KR" altLang="en-US" sz="1200" dirty="0"/>
+              <a:t>노트가</a:t>
+            </a:r>
+            <a:r>
+              <a:rPr lang="en-US" altLang="ko-KR" sz="1200" dirty="0"/>
+              <a:t> </a:t>
+            </a:r>
+            <a:r>
+              <a:rPr lang="ko-KR" altLang="en-US" sz="1200" dirty="0"/>
+              <a:t>나타날 라인</a:t>
+            </a:r>
+            <a:endParaRPr lang="en-US" altLang="ko-KR" sz="1200" dirty="0"/>
+          </a:p>
+          <a:p>
+            <a:pPr lvl="1"/>
+            <a:r>
+              <a:rPr lang="en-US" altLang="ko-KR" sz="1200" dirty="0"/>
+              <a:t>timing</a:t>
+            </a:r>
+            <a:r>
+              <a:rPr lang="ko-KR" altLang="en-US" sz="1200" dirty="0"/>
+              <a:t> </a:t>
+            </a:r>
+            <a:r>
+              <a:rPr lang="en-US" altLang="ko-KR" sz="1200" dirty="0"/>
+              <a:t>:</a:t>
+            </a:r>
+            <a:r>
+              <a:rPr lang="ko-KR" altLang="en-US" sz="1200" dirty="0"/>
+              <a:t> 노트의 판정 시간</a:t>
+            </a:r>
+            <a:endParaRPr lang="en-US" altLang="ko-KR" sz="1600" dirty="0"/>
+          </a:p>
+          <a:p>
+            <a:r>
+              <a:rPr lang="en-US" altLang="ko-KR" sz="1600" dirty="0"/>
+              <a:t>collisionTypeFormat.java : </a:t>
+            </a:r>
+            <a:r>
+              <a:rPr lang="ko-KR" altLang="en-US" sz="1600" dirty="0"/>
+              <a:t>노트의 판정 타입 형식이 지정된 클래스</a:t>
+            </a:r>
+            <a:endParaRPr lang="en-US" altLang="ko-KR" sz="1600" dirty="0"/>
+          </a:p>
+          <a:p>
+            <a:pPr lvl="1"/>
+            <a:r>
+              <a:rPr lang="en-US" altLang="ko-KR" sz="1200" dirty="0" err="1"/>
+              <a:t>collisionTypeList</a:t>
+            </a:r>
+            <a:r>
+              <a:rPr lang="en-US" altLang="ko-KR" sz="1200" dirty="0"/>
+              <a:t> : </a:t>
+            </a:r>
+            <a:r>
+              <a:rPr lang="ko-KR" altLang="en-US" sz="1200" dirty="0"/>
+              <a:t>노트의 판정 타입들이 저장된 리스트</a:t>
+            </a:r>
+            <a:endParaRPr lang="en-US" altLang="ko-KR" sz="1200" dirty="0"/>
+          </a:p>
+          <a:p>
+            <a:pPr lvl="1"/>
+            <a:r>
+              <a:rPr lang="en-US" altLang="ko-KR" sz="1200" dirty="0" err="1"/>
+              <a:t>collisionType</a:t>
+            </a:r>
+            <a:r>
+              <a:rPr lang="en-US" altLang="ko-KR" sz="1200" dirty="0"/>
+              <a:t> : </a:t>
+            </a:r>
+            <a:r>
+              <a:rPr lang="ko-KR" altLang="en-US" sz="1200" dirty="0"/>
+              <a:t>확인중인 노트의 판정 타입</a:t>
+            </a:r>
+            <a:endParaRPr lang="en-US" altLang="ko-KR" sz="1200" dirty="0"/>
+          </a:p>
+          <a:p>
+            <a:pPr lvl="1"/>
+            <a:r>
+              <a:rPr lang="en-US" altLang="ko-KR" sz="1200" dirty="0"/>
+              <a:t>line</a:t>
+            </a:r>
+            <a:r>
+              <a:rPr lang="ko-KR" altLang="en-US" sz="1200" dirty="0"/>
+              <a:t> </a:t>
+            </a:r>
+            <a:r>
+              <a:rPr lang="en-US" altLang="ko-KR" sz="1200" dirty="0"/>
+              <a:t>:</a:t>
+            </a:r>
+            <a:r>
+              <a:rPr lang="ko-KR" altLang="en-US" sz="1200" dirty="0"/>
+              <a:t> 확인중인 노트가 나타난 라인</a:t>
+            </a:r>
+            <a:endParaRPr lang="en-US" altLang="ko-KR" sz="1200" dirty="0"/>
+          </a:p>
+          <a:p>
+            <a:r>
+              <a:rPr lang="en-US" altLang="ko-KR" sz="1600" dirty="0"/>
+              <a:t>scoreFormat.java : </a:t>
+            </a:r>
+            <a:r>
+              <a:rPr lang="ko-KR" altLang="en-US" sz="1600" dirty="0"/>
+              <a:t>점수 정보를 가지는 클래스</a:t>
+            </a:r>
+            <a:endParaRPr lang="en-US" altLang="ko-KR" sz="1600" dirty="0"/>
+          </a:p>
+          <a:p>
+            <a:pPr lvl="1"/>
+            <a:r>
+              <a:rPr lang="en-US" altLang="ko-KR" sz="1200" dirty="0"/>
+              <a:t>score : </a:t>
+            </a:r>
+            <a:r>
+              <a:rPr lang="ko-KR" altLang="en-US" sz="1200" dirty="0"/>
+              <a:t>점수</a:t>
+            </a:r>
+            <a:endParaRPr lang="en-US" altLang="ko-KR" sz="1200" dirty="0"/>
+          </a:p>
+          <a:p>
+            <a:pPr lvl="1"/>
+            <a:r>
+              <a:rPr lang="en-US" altLang="ko-KR" sz="1200" dirty="0"/>
+              <a:t>combo</a:t>
+            </a:r>
+            <a:r>
+              <a:rPr lang="ko-KR" altLang="en-US" sz="1200" dirty="0"/>
+              <a:t> </a:t>
+            </a:r>
+            <a:r>
+              <a:rPr lang="en-US" altLang="ko-KR" sz="1200" dirty="0"/>
+              <a:t>:</a:t>
+            </a:r>
+            <a:r>
+              <a:rPr lang="ko-KR" altLang="en-US" sz="1200" dirty="0"/>
+              <a:t> 콤보</a:t>
+            </a:r>
+            <a:endParaRPr lang="en-US" altLang="ko-KR" sz="1200" dirty="0"/>
+          </a:p>
+          <a:p>
+            <a:pPr lvl="1"/>
+            <a:r>
+              <a:rPr lang="en-US" altLang="ko-KR" sz="1200" dirty="0" err="1"/>
+              <a:t>maxCombo</a:t>
+            </a:r>
+            <a:r>
+              <a:rPr lang="en-US" altLang="ko-KR" sz="1200" dirty="0"/>
+              <a:t> : </a:t>
+            </a:r>
+            <a:r>
+              <a:rPr lang="ko-KR" altLang="en-US" sz="1200" dirty="0"/>
+              <a:t>최대 콤보</a:t>
+            </a:r>
+            <a:endParaRPr lang="en-US" altLang="ko-KR" sz="1200" dirty="0"/>
+          </a:p>
+          <a:p>
+            <a:pPr lvl="1"/>
+            <a:r>
+              <a:rPr lang="en-US" altLang="ko-KR" sz="1200" dirty="0" err="1"/>
+              <a:t>perfectHit</a:t>
+            </a:r>
+            <a:r>
+              <a:rPr lang="en-US" altLang="ko-KR" sz="1200" dirty="0"/>
+              <a:t> : perfect </a:t>
+            </a:r>
+            <a:r>
+              <a:rPr lang="ko-KR" altLang="en-US" sz="1200" dirty="0"/>
+              <a:t>판정을 받은 노트의 수</a:t>
+            </a:r>
+            <a:endParaRPr lang="en-US" altLang="ko-KR" sz="1200" dirty="0"/>
+          </a:p>
+          <a:p>
+            <a:r>
+              <a:rPr lang="en-US" altLang="ko-KR" sz="1600" dirty="0"/>
+              <a:t>gameInputFormat.java</a:t>
+            </a:r>
+            <a:r>
+              <a:rPr lang="ko-KR" altLang="en-US" sz="1600" dirty="0"/>
+              <a:t> </a:t>
+            </a:r>
+            <a:r>
+              <a:rPr lang="en-US" altLang="ko-KR" sz="1600" dirty="0"/>
+              <a:t>:</a:t>
+            </a:r>
+            <a:r>
+              <a:rPr lang="ko-KR" altLang="en-US" sz="1600" dirty="0"/>
+              <a:t> </a:t>
+            </a:r>
+            <a:r>
+              <a:rPr lang="ko-KR" altLang="en-US" sz="1600" dirty="0" err="1"/>
+              <a:t>입력받은</a:t>
+            </a:r>
+            <a:r>
+              <a:rPr lang="ko-KR" altLang="en-US" sz="1600" dirty="0"/>
+              <a:t> 키에 매칭되는 라인과 입력 타이밍을 가지는 클래스</a:t>
+            </a:r>
+            <a:endParaRPr lang="en-US" altLang="ko-KR" sz="400" dirty="0"/>
+          </a:p>
+          <a:p>
+            <a:pPr lvl="1"/>
+            <a:r>
+              <a:rPr lang="en-US" altLang="ko-KR" sz="1200" dirty="0" err="1"/>
+              <a:t>availableKeyList</a:t>
+            </a:r>
+            <a:r>
+              <a:rPr lang="en-US" altLang="ko-KR" sz="1200" dirty="0"/>
+              <a:t> : </a:t>
+            </a:r>
+            <a:r>
+              <a:rPr lang="ko-KR" altLang="en-US" sz="1200" dirty="0"/>
+              <a:t>게임 노트에 </a:t>
+            </a:r>
+            <a:r>
+              <a:rPr lang="ko-KR" altLang="en-US" sz="1200" dirty="0" err="1"/>
+              <a:t>매핑되는</a:t>
+            </a:r>
+            <a:r>
+              <a:rPr lang="ko-KR" altLang="en-US" sz="1200" dirty="0"/>
+              <a:t> </a:t>
+            </a:r>
+            <a:r>
+              <a:rPr lang="ko-KR" altLang="en-US" sz="1200" dirty="0" err="1"/>
+              <a:t>키값</a:t>
+            </a:r>
+            <a:r>
+              <a:rPr lang="ko-KR" altLang="en-US" sz="1200" dirty="0"/>
+              <a:t> 리스트</a:t>
+            </a:r>
+            <a:endParaRPr lang="en-US" altLang="ko-KR" sz="1200" dirty="0"/>
+          </a:p>
+          <a:p>
+            <a:pPr lvl="1"/>
+            <a:r>
+              <a:rPr lang="en-US" altLang="ko-KR" sz="1200" dirty="0"/>
+              <a:t>line : </a:t>
+            </a:r>
+            <a:r>
+              <a:rPr lang="ko-KR" altLang="en-US" sz="1200" dirty="0" err="1"/>
+              <a:t>입력받은</a:t>
+            </a:r>
+            <a:r>
+              <a:rPr lang="ko-KR" altLang="en-US" sz="1200" dirty="0"/>
+              <a:t> 키에 </a:t>
+            </a:r>
+            <a:r>
+              <a:rPr lang="ko-KR" altLang="en-US" sz="1200" dirty="0" err="1"/>
+              <a:t>매핑되는</a:t>
+            </a:r>
+            <a:r>
+              <a:rPr lang="ko-KR" altLang="en-US" sz="1200" dirty="0"/>
+              <a:t> 라인</a:t>
+            </a:r>
+            <a:endParaRPr lang="en-US" altLang="ko-KR" sz="1200" dirty="0"/>
+          </a:p>
+          <a:p>
+            <a:pPr lvl="1"/>
+            <a:r>
+              <a:rPr lang="en-US" altLang="ko-KR" sz="1200" dirty="0"/>
+              <a:t>timing</a:t>
+            </a:r>
+            <a:r>
+              <a:rPr lang="ko-KR" altLang="en-US" sz="1200" dirty="0"/>
+              <a:t> </a:t>
+            </a:r>
+            <a:r>
+              <a:rPr lang="en-US" altLang="ko-KR" sz="1200" dirty="0"/>
+              <a:t>:</a:t>
+            </a:r>
+            <a:r>
+              <a:rPr lang="ko-KR" altLang="en-US" sz="1200" dirty="0"/>
+              <a:t> 키 입력이 들어온 시간</a:t>
+            </a:r>
+            <a:endParaRPr lang="en-US" altLang="ko-KR" sz="1200" dirty="0"/>
           </a:p>
         </p:txBody>
       </p:sp>
     </p:spTree>
     <p:extLst>
       <p:ext uri="{BB962C8B-B14F-4D97-AF65-F5344CB8AC3E}">
-        <p14:creationId xmlns:p14="http://schemas.microsoft.com/office/powerpoint/2010/main" val="4288627627"/>
+        <p14:creationId xmlns:p14="http://schemas.microsoft.com/office/powerpoint/2010/main" val="2703925434"/>
       </p:ext>
     </p:extLst>
   </p:cSld>
@@ -6624,14 +6452,6 @@
             </a:r>
             <a:r>
               <a:rPr lang="ko-KR" altLang="en-US" dirty="0"/>
-              <a:t>코드설명</a:t>
-            </a:r>
-            <a:r>
-              <a:rPr lang="en-US" altLang="ko-KR" dirty="0"/>
-              <a:t>-</a:t>
-            </a:r>
-            <a:r>
-              <a:rPr lang="ko-KR" altLang="en-US" dirty="0"/>
               <a:t>클래스 구조도</a:t>
             </a:r>
           </a:p>
@@ -6667,8 +6487,8 @@
         </p:blipFill>
         <p:spPr>
           <a:xfrm>
-            <a:off x="1043844" y="2606321"/>
-            <a:ext cx="10104311" cy="2991779"/>
+            <a:off x="1043844" y="1690688"/>
+            <a:ext cx="10104311" cy="4823046"/>
           </a:xfrm>
         </p:spPr>
       </p:pic>
@@ -6722,20 +6542,19 @@
             <a:pPr lvl="1"/>
             <a:r>
               <a:rPr lang="en-US" altLang="ko-KR" dirty="0"/>
-              <a:t>2) </a:t>
-            </a:r>
-            <a:r>
-              <a:rPr lang="en-US" altLang="ko-KR" dirty="0" err="1"/>
-              <a:t>Model_formatPackage</a:t>
-            </a:r>
-            <a:endParaRPr lang="ko-KR" altLang="en-US" dirty="0"/>
+              <a:t>1. </a:t>
+            </a:r>
+            <a:r>
+              <a:rPr lang="ko-KR" altLang="en-US" dirty="0"/>
+              <a:t>전체 클래스 구조도</a:t>
+            </a:r>
           </a:p>
         </p:txBody>
       </p:sp>
     </p:spTree>
     <p:extLst>
       <p:ext uri="{BB962C8B-B14F-4D97-AF65-F5344CB8AC3E}">
-        <p14:creationId xmlns:p14="http://schemas.microsoft.com/office/powerpoint/2010/main" val="1636743570"/>
+        <p14:creationId xmlns:p14="http://schemas.microsoft.com/office/powerpoint/2010/main" val="3706473849"/>
       </p:ext>
     </p:extLst>
   </p:cSld>
